--- a/scrapyDemo202301/Scrapy爬虫讲习.pptx
+++ b/scrapyDemo202301/Scrapy爬虫讲习.pptx
@@ -17,6 +17,7 @@
     <p:sldId id="265" r:id="rId11"/>
     <p:sldId id="266" r:id="rId12"/>
     <p:sldId id="267" r:id="rId13"/>
+    <p:sldId id="268" r:id="rId14"/>
   </p:sldIdLst>
   <p:sldSz cx="12192000" cy="6858000"/>
   <p:notesSz cx="6858000" cy="9144000"/>
@@ -115,6 +116,11 @@
       </a:defRPr>
     </a:lvl9pPr>
   </p:defaultTextStyle>
+  <p:extLst>
+    <p:ext uri="{EFAFB233-063F-42B5-8137-9DF3F51BA10A}">
+      <p15:sldGuideLst xmlns:p15="http://schemas.microsoft.com/office/powerpoint/2012/main"/>
+    </p:ext>
+  </p:extLst>
 </p:presentation>
 </file>
 
@@ -265,7 +271,7 @@
           <a:p>
             <a:fld id="{09D96381-2B3F-4A03-90A6-DCF37B0A538E}" type="datetimeFigureOut">
               <a:rPr lang="zh-CN" altLang="en-US" smtClean="0"/>
-              <a:t>2023-02-01</a:t>
+              <a:t>2023-02-02</a:t>
             </a:fld>
             <a:endParaRPr lang="zh-CN" altLang="en-US"/>
           </a:p>
@@ -463,7 +469,7 @@
           <a:p>
             <a:fld id="{09D96381-2B3F-4A03-90A6-DCF37B0A538E}" type="datetimeFigureOut">
               <a:rPr lang="zh-CN" altLang="en-US" smtClean="0"/>
-              <a:t>2023-02-01</a:t>
+              <a:t>2023-02-02</a:t>
             </a:fld>
             <a:endParaRPr lang="zh-CN" altLang="en-US"/>
           </a:p>
@@ -671,7 +677,7 @@
           <a:p>
             <a:fld id="{09D96381-2B3F-4A03-90A6-DCF37B0A538E}" type="datetimeFigureOut">
               <a:rPr lang="zh-CN" altLang="en-US" smtClean="0"/>
-              <a:t>2023-02-01</a:t>
+              <a:t>2023-02-02</a:t>
             </a:fld>
             <a:endParaRPr lang="zh-CN" altLang="en-US"/>
           </a:p>
@@ -869,7 +875,7 @@
           <a:p>
             <a:fld id="{09D96381-2B3F-4A03-90A6-DCF37B0A538E}" type="datetimeFigureOut">
               <a:rPr lang="zh-CN" altLang="en-US" smtClean="0"/>
-              <a:t>2023-02-01</a:t>
+              <a:t>2023-02-02</a:t>
             </a:fld>
             <a:endParaRPr lang="zh-CN" altLang="en-US"/>
           </a:p>
@@ -1144,7 +1150,7 @@
           <a:p>
             <a:fld id="{09D96381-2B3F-4A03-90A6-DCF37B0A538E}" type="datetimeFigureOut">
               <a:rPr lang="zh-CN" altLang="en-US" smtClean="0"/>
-              <a:t>2023-02-01</a:t>
+              <a:t>2023-02-02</a:t>
             </a:fld>
             <a:endParaRPr lang="zh-CN" altLang="en-US"/>
           </a:p>
@@ -1409,7 +1415,7 @@
           <a:p>
             <a:fld id="{09D96381-2B3F-4A03-90A6-DCF37B0A538E}" type="datetimeFigureOut">
               <a:rPr lang="zh-CN" altLang="en-US" smtClean="0"/>
-              <a:t>2023-02-01</a:t>
+              <a:t>2023-02-02</a:t>
             </a:fld>
             <a:endParaRPr lang="zh-CN" altLang="en-US"/>
           </a:p>
@@ -1821,7 +1827,7 @@
           <a:p>
             <a:fld id="{09D96381-2B3F-4A03-90A6-DCF37B0A538E}" type="datetimeFigureOut">
               <a:rPr lang="zh-CN" altLang="en-US" smtClean="0"/>
-              <a:t>2023-02-01</a:t>
+              <a:t>2023-02-02</a:t>
             </a:fld>
             <a:endParaRPr lang="zh-CN" altLang="en-US"/>
           </a:p>
@@ -1962,7 +1968,7 @@
           <a:p>
             <a:fld id="{09D96381-2B3F-4A03-90A6-DCF37B0A538E}" type="datetimeFigureOut">
               <a:rPr lang="zh-CN" altLang="en-US" smtClean="0"/>
-              <a:t>2023-02-01</a:t>
+              <a:t>2023-02-02</a:t>
             </a:fld>
             <a:endParaRPr lang="zh-CN" altLang="en-US"/>
           </a:p>
@@ -2075,7 +2081,7 @@
           <a:p>
             <a:fld id="{09D96381-2B3F-4A03-90A6-DCF37B0A538E}" type="datetimeFigureOut">
               <a:rPr lang="zh-CN" altLang="en-US" smtClean="0"/>
-              <a:t>2023-02-01</a:t>
+              <a:t>2023-02-02</a:t>
             </a:fld>
             <a:endParaRPr lang="zh-CN" altLang="en-US"/>
           </a:p>
@@ -2386,7 +2392,7 @@
           <a:p>
             <a:fld id="{09D96381-2B3F-4A03-90A6-DCF37B0A538E}" type="datetimeFigureOut">
               <a:rPr lang="zh-CN" altLang="en-US" smtClean="0"/>
-              <a:t>2023-02-01</a:t>
+              <a:t>2023-02-02</a:t>
             </a:fld>
             <a:endParaRPr lang="zh-CN" altLang="en-US"/>
           </a:p>
@@ -2674,7 +2680,7 @@
           <a:p>
             <a:fld id="{09D96381-2B3F-4A03-90A6-DCF37B0A538E}" type="datetimeFigureOut">
               <a:rPr lang="zh-CN" altLang="en-US" smtClean="0"/>
-              <a:t>2023-02-01</a:t>
+              <a:t>2023-02-02</a:t>
             </a:fld>
             <a:endParaRPr lang="zh-CN" altLang="en-US"/>
           </a:p>
@@ -2915,7 +2921,7 @@
           <a:p>
             <a:fld id="{09D96381-2B3F-4A03-90A6-DCF37B0A538E}" type="datetimeFigureOut">
               <a:rPr lang="zh-CN" altLang="en-US" smtClean="0"/>
-              <a:t>2023-02-01</a:t>
+              <a:t>2023-02-02</a:t>
             </a:fld>
             <a:endParaRPr lang="zh-CN" altLang="en-US"/>
           </a:p>
@@ -3365,7 +3371,7 @@
                 <a:latin typeface="华文楷体" panose="02010600040101010101" pitchFamily="2" charset="-122"/>
                 <a:ea typeface="华文楷体" panose="02010600040101010101" pitchFamily="2" charset="-122"/>
               </a:rPr>
-              <a:t>爬虫讲习</a:t>
+              <a:t>高阶爬虫讲习</a:t>
             </a:r>
           </a:p>
         </p:txBody>
@@ -3884,10 +3890,15 @@
             <p:ph idx="1"/>
           </p:nvPr>
         </p:nvSpPr>
-        <p:spPr/>
+        <p:spPr>
+          <a:xfrm>
+            <a:off x="838200" y="1825625"/>
+            <a:ext cx="10515600" cy="4351338"/>
+          </a:xfrm>
+        </p:spPr>
         <p:txBody>
           <a:bodyPr>
-            <a:normAutofit fontScale="92500" lnSpcReduction="20000"/>
+            <a:normAutofit fontScale="92500"/>
           </a:bodyPr>
           <a:lstStyle/>
           <a:p>
@@ -3896,91 +3907,91 @@
               <a:buAutoNum type="arabicPeriod"/>
             </a:pPr>
             <a:r>
-              <a:rPr lang="en-US" altLang="zh-CN" sz="2000" dirty="0" err="1">
+              <a:rPr lang="en-US" altLang="zh-CN" sz="2200" dirty="0" err="1">
                 <a:latin typeface="华文楷体" panose="02010600040101010101" pitchFamily="2" charset="-122"/>
                 <a:ea typeface="华文楷体" panose="02010600040101010101" pitchFamily="2" charset="-122"/>
               </a:rPr>
               <a:t>ScrapyEngine</a:t>
             </a:r>
             <a:r>
-              <a:rPr lang="zh-CN" altLang="en-US" sz="2000" dirty="0">
+              <a:rPr lang="zh-CN" altLang="en-US" sz="2200" dirty="0">
                 <a:latin typeface="华文楷体" panose="02010600040101010101" pitchFamily="2" charset="-122"/>
                 <a:ea typeface="华文楷体" panose="02010600040101010101" pitchFamily="2" charset="-122"/>
               </a:rPr>
               <a:t>打开一个网站，找到处理该网站的</a:t>
             </a:r>
             <a:r>
-              <a:rPr lang="en-US" altLang="zh-CN" sz="2000" dirty="0">
+              <a:rPr lang="en-US" altLang="zh-CN" sz="2200" dirty="0">
                 <a:latin typeface="华文楷体" panose="02010600040101010101" pitchFamily="2" charset="-122"/>
                 <a:ea typeface="华文楷体" panose="02010600040101010101" pitchFamily="2" charset="-122"/>
               </a:rPr>
               <a:t>Spider</a:t>
             </a:r>
             <a:r>
-              <a:rPr lang="zh-CN" altLang="en-US" sz="2000" dirty="0">
+              <a:rPr lang="zh-CN" altLang="en-US" sz="2200" dirty="0">
                 <a:latin typeface="华文楷体" panose="02010600040101010101" pitchFamily="2" charset="-122"/>
                 <a:ea typeface="华文楷体" panose="02010600040101010101" pitchFamily="2" charset="-122"/>
               </a:rPr>
               <a:t>，并向该</a:t>
             </a:r>
             <a:r>
-              <a:rPr lang="en-US" altLang="zh-CN" sz="2000" dirty="0">
+              <a:rPr lang="en-US" altLang="zh-CN" sz="2200" dirty="0">
                 <a:latin typeface="华文楷体" panose="02010600040101010101" pitchFamily="2" charset="-122"/>
                 <a:ea typeface="华文楷体" panose="02010600040101010101" pitchFamily="2" charset="-122"/>
               </a:rPr>
               <a:t>Spider</a:t>
             </a:r>
             <a:r>
-              <a:rPr lang="zh-CN" altLang="en-US" sz="2000" dirty="0">
+              <a:rPr lang="zh-CN" altLang="en-US" sz="2200" dirty="0">
                 <a:latin typeface="华文楷体" panose="02010600040101010101" pitchFamily="2" charset="-122"/>
                 <a:ea typeface="华文楷体" panose="02010600040101010101" pitchFamily="2" charset="-122"/>
               </a:rPr>
               <a:t>请求第一个</a:t>
             </a:r>
             <a:r>
-              <a:rPr lang="en-US" altLang="zh-CN" sz="2000" dirty="0">
+              <a:rPr lang="en-US" altLang="zh-CN" sz="2200" dirty="0">
                 <a:latin typeface="华文楷体" panose="02010600040101010101" pitchFamily="2" charset="-122"/>
                 <a:ea typeface="华文楷体" panose="02010600040101010101" pitchFamily="2" charset="-122"/>
               </a:rPr>
               <a:t>(</a:t>
             </a:r>
             <a:r>
-              <a:rPr lang="zh-CN" altLang="en-US" sz="2000" dirty="0">
+              <a:rPr lang="zh-CN" altLang="en-US" sz="2200" dirty="0">
                 <a:latin typeface="华文楷体" panose="02010600040101010101" pitchFamily="2" charset="-122"/>
                 <a:ea typeface="华文楷体" panose="02010600040101010101" pitchFamily="2" charset="-122"/>
               </a:rPr>
               <a:t>批</a:t>
             </a:r>
             <a:r>
-              <a:rPr lang="en-US" altLang="zh-CN" sz="2000" dirty="0">
+              <a:rPr lang="en-US" altLang="zh-CN" sz="2200" dirty="0">
                 <a:latin typeface="华文楷体" panose="02010600040101010101" pitchFamily="2" charset="-122"/>
                 <a:ea typeface="华文楷体" panose="02010600040101010101" pitchFamily="2" charset="-122"/>
               </a:rPr>
               <a:t>)</a:t>
             </a:r>
             <a:r>
-              <a:rPr lang="zh-CN" altLang="en-US" sz="2000" dirty="0">
+              <a:rPr lang="zh-CN" altLang="en-US" sz="2200" dirty="0">
                 <a:latin typeface="华文楷体" panose="02010600040101010101" pitchFamily="2" charset="-122"/>
                 <a:ea typeface="华文楷体" panose="02010600040101010101" pitchFamily="2" charset="-122"/>
               </a:rPr>
               <a:t>要爬取的</a:t>
             </a:r>
             <a:r>
-              <a:rPr lang="en-US" altLang="zh-CN" sz="2000" dirty="0" err="1">
+              <a:rPr lang="en-US" altLang="zh-CN" sz="2200" dirty="0" err="1">
                 <a:latin typeface="华文楷体" panose="02010600040101010101" pitchFamily="2" charset="-122"/>
                 <a:ea typeface="华文楷体" panose="02010600040101010101" pitchFamily="2" charset="-122"/>
               </a:rPr>
               <a:t>url</a:t>
             </a:r>
             <a:r>
-              <a:rPr lang="en-US" altLang="zh-CN" sz="2000" dirty="0">
+              <a:rPr lang="en-US" altLang="zh-CN" sz="2200" dirty="0">
                 <a:latin typeface="华文楷体" panose="02010600040101010101" pitchFamily="2" charset="-122"/>
                 <a:ea typeface="华文楷体" panose="02010600040101010101" pitchFamily="2" charset="-122"/>
               </a:rPr>
               <a:t>(s)</a:t>
             </a:r>
             <a:r>
-              <a:rPr lang="zh-CN" altLang="en-US" sz="2000" dirty="0">
+              <a:rPr lang="zh-CN" altLang="en-US" sz="2200" dirty="0">
                 <a:latin typeface="华文楷体" panose="02010600040101010101" pitchFamily="2" charset="-122"/>
                 <a:ea typeface="华文楷体" panose="02010600040101010101" pitchFamily="2" charset="-122"/>
               </a:rPr>
@@ -3993,42 +4004,42 @@
               <a:buAutoNum type="arabicPeriod"/>
             </a:pPr>
             <a:r>
-              <a:rPr lang="en-US" altLang="zh-CN" sz="2000" dirty="0" err="1">
+              <a:rPr lang="en-US" altLang="zh-CN" sz="2200" dirty="0" err="1">
                 <a:latin typeface="华文楷体" panose="02010600040101010101" pitchFamily="2" charset="-122"/>
                 <a:ea typeface="华文楷体" panose="02010600040101010101" pitchFamily="2" charset="-122"/>
               </a:rPr>
               <a:t>ScrapyEngine</a:t>
             </a:r>
             <a:r>
-              <a:rPr lang="zh-CN" altLang="en-US" sz="2000" dirty="0">
+              <a:rPr lang="zh-CN" altLang="en-US" sz="2200" dirty="0">
                 <a:latin typeface="华文楷体" panose="02010600040101010101" pitchFamily="2" charset="-122"/>
                 <a:ea typeface="华文楷体" panose="02010600040101010101" pitchFamily="2" charset="-122"/>
               </a:rPr>
               <a:t>向调度器请求第一个要爬取的</a:t>
             </a:r>
             <a:r>
-              <a:rPr lang="en-US" altLang="zh-CN" sz="2000" dirty="0" err="1">
+              <a:rPr lang="en-US" altLang="zh-CN" sz="2200" dirty="0" err="1">
                 <a:latin typeface="华文楷体" panose="02010600040101010101" pitchFamily="2" charset="-122"/>
                 <a:ea typeface="华文楷体" panose="02010600040101010101" pitchFamily="2" charset="-122"/>
               </a:rPr>
               <a:t>url</a:t>
             </a:r>
             <a:r>
-              <a:rPr lang="zh-CN" altLang="en-US" sz="2000" dirty="0">
+              <a:rPr lang="zh-CN" altLang="en-US" sz="2200" dirty="0">
                 <a:latin typeface="华文楷体" panose="02010600040101010101" pitchFamily="2" charset="-122"/>
                 <a:ea typeface="华文楷体" panose="02010600040101010101" pitchFamily="2" charset="-122"/>
               </a:rPr>
               <a:t>，并加入到</a:t>
             </a:r>
             <a:r>
-              <a:rPr lang="en-US" altLang="zh-CN" sz="2000" dirty="0">
+              <a:rPr lang="en-US" altLang="zh-CN" sz="2200" dirty="0">
                 <a:latin typeface="华文楷体" panose="02010600040101010101" pitchFamily="2" charset="-122"/>
                 <a:ea typeface="华文楷体" panose="02010600040101010101" pitchFamily="2" charset="-122"/>
               </a:rPr>
               <a:t>Schedule</a:t>
             </a:r>
             <a:r>
-              <a:rPr lang="zh-CN" altLang="en-US" sz="2000" dirty="0">
+              <a:rPr lang="zh-CN" altLang="en-US" sz="2200" dirty="0">
                 <a:latin typeface="华文楷体" panose="02010600040101010101" pitchFamily="2" charset="-122"/>
                 <a:ea typeface="华文楷体" panose="02010600040101010101" pitchFamily="2" charset="-122"/>
               </a:rPr>
@@ -4041,28 +4052,28 @@
               <a:buAutoNum type="arabicPeriod"/>
             </a:pPr>
             <a:r>
-              <a:rPr lang="en-US" altLang="zh-CN" sz="2000" dirty="0" err="1">
+              <a:rPr lang="en-US" altLang="zh-CN" sz="2200" dirty="0" err="1">
                 <a:latin typeface="华文楷体" panose="02010600040101010101" pitchFamily="2" charset="-122"/>
                 <a:ea typeface="华文楷体" panose="02010600040101010101" pitchFamily="2" charset="-122"/>
               </a:rPr>
               <a:t>ScrapyEngine</a:t>
             </a:r>
             <a:r>
-              <a:rPr lang="zh-CN" altLang="en-US" sz="2000" dirty="0">
+              <a:rPr lang="zh-CN" altLang="en-US" sz="2200" dirty="0">
                 <a:latin typeface="华文楷体" panose="02010600040101010101" pitchFamily="2" charset="-122"/>
                 <a:ea typeface="华文楷体" panose="02010600040101010101" pitchFamily="2" charset="-122"/>
               </a:rPr>
               <a:t>向调度器请求下一个要爬取的</a:t>
             </a:r>
             <a:r>
-              <a:rPr lang="en-US" altLang="zh-CN" sz="2000" dirty="0" err="1">
+              <a:rPr lang="en-US" altLang="zh-CN" sz="2200" dirty="0" err="1">
                 <a:latin typeface="华文楷体" panose="02010600040101010101" pitchFamily="2" charset="-122"/>
                 <a:ea typeface="华文楷体" panose="02010600040101010101" pitchFamily="2" charset="-122"/>
               </a:rPr>
               <a:t>url</a:t>
             </a:r>
             <a:r>
-              <a:rPr lang="zh-CN" altLang="en-US" sz="2000" dirty="0">
+              <a:rPr lang="zh-CN" altLang="en-US" sz="2200" dirty="0">
                 <a:latin typeface="华文楷体" panose="02010600040101010101" pitchFamily="2" charset="-122"/>
                 <a:ea typeface="华文楷体" panose="02010600040101010101" pitchFamily="2" charset="-122"/>
               </a:rPr>
@@ -4075,98 +4086,98 @@
               <a:buAutoNum type="arabicPeriod"/>
             </a:pPr>
             <a:r>
-              <a:rPr lang="en-US" altLang="zh-CN" sz="2000" dirty="0">
+              <a:rPr lang="en-US" altLang="zh-CN" sz="2200" dirty="0">
                 <a:latin typeface="华文楷体" panose="02010600040101010101" pitchFamily="2" charset="-122"/>
                 <a:ea typeface="华文楷体" panose="02010600040101010101" pitchFamily="2" charset="-122"/>
               </a:rPr>
               <a:t>Schedule</a:t>
             </a:r>
             <a:r>
-              <a:rPr lang="zh-CN" altLang="en-US" sz="2000" dirty="0">
+              <a:rPr lang="zh-CN" altLang="en-US" sz="2200" dirty="0">
                 <a:latin typeface="华文楷体" panose="02010600040101010101" pitchFamily="2" charset="-122"/>
                 <a:ea typeface="华文楷体" panose="02010600040101010101" pitchFamily="2" charset="-122"/>
               </a:rPr>
               <a:t>返回下一个要爬取的</a:t>
             </a:r>
             <a:r>
-              <a:rPr lang="en-US" altLang="zh-CN" sz="2000" dirty="0" err="1">
+              <a:rPr lang="en-US" altLang="zh-CN" sz="2200" dirty="0" err="1">
                 <a:latin typeface="华文楷体" panose="02010600040101010101" pitchFamily="2" charset="-122"/>
                 <a:ea typeface="华文楷体" panose="02010600040101010101" pitchFamily="2" charset="-122"/>
               </a:rPr>
               <a:t>url</a:t>
             </a:r>
             <a:r>
-              <a:rPr lang="zh-CN" altLang="en-US" sz="2000" dirty="0">
+              <a:rPr lang="zh-CN" altLang="en-US" sz="2200" dirty="0">
                 <a:latin typeface="华文楷体" panose="02010600040101010101" pitchFamily="2" charset="-122"/>
                 <a:ea typeface="华文楷体" panose="02010600040101010101" pitchFamily="2" charset="-122"/>
               </a:rPr>
               <a:t>给</a:t>
             </a:r>
             <a:r>
-              <a:rPr lang="en-US" altLang="zh-CN" sz="2000" dirty="0" err="1">
+              <a:rPr lang="en-US" altLang="zh-CN" sz="2200" dirty="0" err="1">
                 <a:latin typeface="华文楷体" panose="02010600040101010101" pitchFamily="2" charset="-122"/>
                 <a:ea typeface="华文楷体" panose="02010600040101010101" pitchFamily="2" charset="-122"/>
               </a:rPr>
               <a:t>ScrapyEngine</a:t>
             </a:r>
             <a:r>
-              <a:rPr lang="zh-CN" altLang="en-US" sz="2000" dirty="0">
+              <a:rPr lang="zh-CN" altLang="en-US" sz="2200" dirty="0">
                 <a:latin typeface="华文楷体" panose="02010600040101010101" pitchFamily="2" charset="-122"/>
                 <a:ea typeface="华文楷体" panose="02010600040101010101" pitchFamily="2" charset="-122"/>
               </a:rPr>
               <a:t>，</a:t>
             </a:r>
             <a:r>
-              <a:rPr lang="en-US" altLang="zh-CN" sz="2000" dirty="0" err="1">
+              <a:rPr lang="en-US" altLang="zh-CN" sz="2200" dirty="0" err="1">
                 <a:latin typeface="华文楷体" panose="02010600040101010101" pitchFamily="2" charset="-122"/>
                 <a:ea typeface="华文楷体" panose="02010600040101010101" pitchFamily="2" charset="-122"/>
               </a:rPr>
               <a:t>ScrapyEngine</a:t>
             </a:r>
             <a:r>
-              <a:rPr lang="zh-CN" altLang="en-US" sz="2000" dirty="0">
+              <a:rPr lang="zh-CN" altLang="en-US" sz="2200" dirty="0">
                 <a:latin typeface="华文楷体" panose="02010600040101010101" pitchFamily="2" charset="-122"/>
                 <a:ea typeface="华文楷体" panose="02010600040101010101" pitchFamily="2" charset="-122"/>
               </a:rPr>
               <a:t>通过</a:t>
             </a:r>
             <a:r>
-              <a:rPr lang="en-US" altLang="zh-CN" sz="2000" dirty="0" err="1">
+              <a:rPr lang="en-US" altLang="zh-CN" sz="2200" dirty="0" err="1">
                 <a:latin typeface="华文楷体" panose="02010600040101010101" pitchFamily="2" charset="-122"/>
                 <a:ea typeface="华文楷体" panose="02010600040101010101" pitchFamily="2" charset="-122"/>
               </a:rPr>
               <a:t>DownloaderMiddlewares</a:t>
             </a:r>
             <a:r>
-              <a:rPr lang="zh-CN" altLang="en-US" sz="2000" dirty="0">
+              <a:rPr lang="zh-CN" altLang="en-US" sz="2200" dirty="0">
                 <a:latin typeface="华文楷体" panose="02010600040101010101" pitchFamily="2" charset="-122"/>
                 <a:ea typeface="华文楷体" panose="02010600040101010101" pitchFamily="2" charset="-122"/>
               </a:rPr>
               <a:t>将</a:t>
             </a:r>
             <a:r>
-              <a:rPr lang="en-US" altLang="zh-CN" sz="2000" dirty="0" err="1">
+              <a:rPr lang="en-US" altLang="zh-CN" sz="2200" dirty="0" err="1">
                 <a:latin typeface="华文楷体" panose="02010600040101010101" pitchFamily="2" charset="-122"/>
                 <a:ea typeface="华文楷体" panose="02010600040101010101" pitchFamily="2" charset="-122"/>
               </a:rPr>
               <a:t>url</a:t>
             </a:r>
             <a:r>
-              <a:rPr lang="zh-CN" altLang="en-US" sz="2000" dirty="0">
+              <a:rPr lang="zh-CN" altLang="en-US" sz="2200" dirty="0">
                 <a:latin typeface="华文楷体" panose="02010600040101010101" pitchFamily="2" charset="-122"/>
                 <a:ea typeface="华文楷体" panose="02010600040101010101" pitchFamily="2" charset="-122"/>
               </a:rPr>
               <a:t>转发给</a:t>
             </a:r>
             <a:r>
-              <a:rPr lang="en-US" altLang="zh-CN" sz="2000" dirty="0">
+              <a:rPr lang="en-US" altLang="zh-CN" sz="2200" dirty="0">
                 <a:latin typeface="华文楷体" panose="02010600040101010101" pitchFamily="2" charset="-122"/>
                 <a:ea typeface="华文楷体" panose="02010600040101010101" pitchFamily="2" charset="-122"/>
               </a:rPr>
               <a:t>Downloader</a:t>
             </a:r>
             <a:r>
-              <a:rPr lang="zh-CN" altLang="en-US" sz="2000" dirty="0">
+              <a:rPr lang="zh-CN" altLang="en-US" sz="2200" dirty="0">
                 <a:latin typeface="华文楷体" panose="02010600040101010101" pitchFamily="2" charset="-122"/>
                 <a:ea typeface="华文楷体" panose="02010600040101010101" pitchFamily="2" charset="-122"/>
               </a:rPr>
@@ -4179,63 +4190,63 @@
               <a:buAutoNum type="arabicPeriod"/>
             </a:pPr>
             <a:r>
-              <a:rPr lang="zh-CN" altLang="en-US" sz="2000" dirty="0">
+              <a:rPr lang="zh-CN" altLang="en-US" sz="2200" dirty="0">
                 <a:latin typeface="华文楷体" panose="02010600040101010101" pitchFamily="2" charset="-122"/>
                 <a:ea typeface="华文楷体" panose="02010600040101010101" pitchFamily="2" charset="-122"/>
               </a:rPr>
               <a:t>页面下载完毕，</a:t>
             </a:r>
             <a:r>
-              <a:rPr lang="en-US" altLang="zh-CN" sz="2000" dirty="0">
+              <a:rPr lang="en-US" altLang="zh-CN" sz="2200" dirty="0">
                 <a:latin typeface="华文楷体" panose="02010600040101010101" pitchFamily="2" charset="-122"/>
                 <a:ea typeface="华文楷体" panose="02010600040101010101" pitchFamily="2" charset="-122"/>
               </a:rPr>
               <a:t>Downloader</a:t>
             </a:r>
             <a:r>
-              <a:rPr lang="zh-CN" altLang="en-US" sz="2000" dirty="0">
+              <a:rPr lang="zh-CN" altLang="en-US" sz="2200" dirty="0">
                 <a:latin typeface="华文楷体" panose="02010600040101010101" pitchFamily="2" charset="-122"/>
                 <a:ea typeface="华文楷体" panose="02010600040101010101" pitchFamily="2" charset="-122"/>
               </a:rPr>
               <a:t>生成一个页面的</a:t>
             </a:r>
             <a:r>
-              <a:rPr lang="en-US" altLang="zh-CN" sz="2000" dirty="0">
+              <a:rPr lang="en-US" altLang="zh-CN" sz="2200" dirty="0">
                 <a:latin typeface="华文楷体" panose="02010600040101010101" pitchFamily="2" charset="-122"/>
                 <a:ea typeface="华文楷体" panose="02010600040101010101" pitchFamily="2" charset="-122"/>
               </a:rPr>
               <a:t>Response</a:t>
             </a:r>
             <a:r>
-              <a:rPr lang="zh-CN" altLang="en-US" sz="2000" dirty="0">
+              <a:rPr lang="zh-CN" altLang="en-US" sz="2200" dirty="0">
                 <a:latin typeface="华文楷体" panose="02010600040101010101" pitchFamily="2" charset="-122"/>
                 <a:ea typeface="华文楷体" panose="02010600040101010101" pitchFamily="2" charset="-122"/>
               </a:rPr>
               <a:t>，通过</a:t>
             </a:r>
             <a:r>
-              <a:rPr lang="en-US" altLang="zh-CN" sz="2000" dirty="0" err="1">
+              <a:rPr lang="en-US" altLang="zh-CN" sz="2200" dirty="0" err="1">
                 <a:latin typeface="华文楷体" panose="02010600040101010101" pitchFamily="2" charset="-122"/>
                 <a:ea typeface="华文楷体" panose="02010600040101010101" pitchFamily="2" charset="-122"/>
               </a:rPr>
               <a:t>DownloaderMiddlewares</a:t>
             </a:r>
             <a:r>
-              <a:rPr lang="zh-CN" altLang="en-US" sz="2000" dirty="0">
+              <a:rPr lang="zh-CN" altLang="en-US" sz="2200" dirty="0">
                 <a:latin typeface="华文楷体" panose="02010600040101010101" pitchFamily="2" charset="-122"/>
                 <a:ea typeface="华文楷体" panose="02010600040101010101" pitchFamily="2" charset="-122"/>
               </a:rPr>
               <a:t>发送给</a:t>
             </a:r>
             <a:r>
-              <a:rPr lang="en-US" altLang="zh-CN" sz="2000" dirty="0" err="1">
+              <a:rPr lang="en-US" altLang="zh-CN" sz="2200" dirty="0" err="1">
                 <a:latin typeface="华文楷体" panose="02010600040101010101" pitchFamily="2" charset="-122"/>
                 <a:ea typeface="华文楷体" panose="02010600040101010101" pitchFamily="2" charset="-122"/>
               </a:rPr>
               <a:t>ScrapyEngine</a:t>
             </a:r>
             <a:r>
-              <a:rPr lang="zh-CN" altLang="en-US" sz="2000" dirty="0">
+              <a:rPr lang="zh-CN" altLang="en-US" sz="2200" dirty="0">
                 <a:latin typeface="华文楷体" panose="02010600040101010101" pitchFamily="2" charset="-122"/>
                 <a:ea typeface="华文楷体" panose="02010600040101010101" pitchFamily="2" charset="-122"/>
               </a:rPr>
@@ -4248,76 +4259,76 @@
               <a:buAutoNum type="arabicPeriod"/>
             </a:pPr>
             <a:r>
-              <a:rPr lang="en-US" altLang="zh-CN" sz="2000" dirty="0" err="1">
+              <a:rPr lang="en-US" altLang="zh-CN" sz="2200" dirty="0" err="1">
                 <a:latin typeface="华文楷体" panose="02010600040101010101" pitchFamily="2" charset="-122"/>
                 <a:ea typeface="华文楷体" panose="02010600040101010101" pitchFamily="2" charset="-122"/>
               </a:rPr>
               <a:t>ScrapyEngine</a:t>
             </a:r>
             <a:r>
-              <a:rPr lang="zh-CN" altLang="en-US" sz="2000" dirty="0">
+              <a:rPr lang="zh-CN" altLang="en-US" sz="2200" dirty="0">
                 <a:latin typeface="华文楷体" panose="02010600040101010101" pitchFamily="2" charset="-122"/>
                 <a:ea typeface="华文楷体" panose="02010600040101010101" pitchFamily="2" charset="-122"/>
               </a:rPr>
               <a:t>从</a:t>
             </a:r>
             <a:r>
-              <a:rPr lang="en-US" altLang="zh-CN" sz="2000" dirty="0">
+              <a:rPr lang="en-US" altLang="zh-CN" sz="2200" dirty="0">
                 <a:latin typeface="华文楷体" panose="02010600040101010101" pitchFamily="2" charset="-122"/>
                 <a:ea typeface="华文楷体" panose="02010600040101010101" pitchFamily="2" charset="-122"/>
               </a:rPr>
               <a:t>Downloader</a:t>
             </a:r>
             <a:r>
-              <a:rPr lang="zh-CN" altLang="en-US" sz="2000" dirty="0">
+              <a:rPr lang="zh-CN" altLang="en-US" sz="2200" dirty="0">
                 <a:latin typeface="华文楷体" panose="02010600040101010101" pitchFamily="2" charset="-122"/>
                 <a:ea typeface="华文楷体" panose="02010600040101010101" pitchFamily="2" charset="-122"/>
               </a:rPr>
               <a:t>中接收到</a:t>
             </a:r>
             <a:r>
-              <a:rPr lang="en-US" altLang="zh-CN" sz="2000" dirty="0">
+              <a:rPr lang="en-US" altLang="zh-CN" sz="2200" dirty="0">
                 <a:latin typeface="华文楷体" panose="02010600040101010101" pitchFamily="2" charset="-122"/>
                 <a:ea typeface="华文楷体" panose="02010600040101010101" pitchFamily="2" charset="-122"/>
               </a:rPr>
               <a:t>Response</a:t>
             </a:r>
             <a:r>
-              <a:rPr lang="zh-CN" altLang="en-US" sz="2000" dirty="0">
+              <a:rPr lang="zh-CN" altLang="en-US" sz="2200" dirty="0">
                 <a:latin typeface="华文楷体" panose="02010600040101010101" pitchFamily="2" charset="-122"/>
                 <a:ea typeface="华文楷体" panose="02010600040101010101" pitchFamily="2" charset="-122"/>
               </a:rPr>
               <a:t>，通过</a:t>
             </a:r>
             <a:r>
-              <a:rPr lang="en-US" altLang="zh-CN" sz="2000" dirty="0" err="1">
+              <a:rPr lang="en-US" altLang="zh-CN" sz="2200" dirty="0" err="1">
                 <a:latin typeface="华文楷体" panose="02010600040101010101" pitchFamily="2" charset="-122"/>
                 <a:ea typeface="华文楷体" panose="02010600040101010101" pitchFamily="2" charset="-122"/>
               </a:rPr>
               <a:t>SpiderMiddlewares</a:t>
             </a:r>
             <a:r>
-              <a:rPr lang="zh-CN" altLang="en-US" sz="2000" dirty="0">
+              <a:rPr lang="zh-CN" altLang="en-US" sz="2200" dirty="0">
                 <a:latin typeface="华文楷体" panose="02010600040101010101" pitchFamily="2" charset="-122"/>
                 <a:ea typeface="华文楷体" panose="02010600040101010101" pitchFamily="2" charset="-122"/>
               </a:rPr>
               <a:t>发送给</a:t>
             </a:r>
             <a:r>
-              <a:rPr lang="en-US" altLang="zh-CN" sz="2000" dirty="0">
+              <a:rPr lang="en-US" altLang="zh-CN" sz="2200" dirty="0">
                 <a:latin typeface="华文楷体" panose="02010600040101010101" pitchFamily="2" charset="-122"/>
                 <a:ea typeface="华文楷体" panose="02010600040101010101" pitchFamily="2" charset="-122"/>
               </a:rPr>
               <a:t>Spider</a:t>
             </a:r>
             <a:r>
-              <a:rPr lang="zh-CN" altLang="en-US" sz="2000" dirty="0">
+              <a:rPr lang="zh-CN" altLang="en-US" sz="2200" dirty="0">
                 <a:latin typeface="华文楷体" panose="02010600040101010101" pitchFamily="2" charset="-122"/>
                 <a:ea typeface="华文楷体" panose="02010600040101010101" pitchFamily="2" charset="-122"/>
               </a:rPr>
               <a:t>处理；</a:t>
             </a:r>
-            <a:endParaRPr lang="en-US" altLang="zh-CN" sz="2000" dirty="0">
+            <a:endParaRPr lang="en-US" altLang="zh-CN" sz="2200" dirty="0">
               <a:latin typeface="华文楷体" panose="02010600040101010101" pitchFamily="2" charset="-122"/>
               <a:ea typeface="华文楷体" panose="02010600040101010101" pitchFamily="2" charset="-122"/>
             </a:endParaRPr>
@@ -4328,70 +4339,70 @@
               <a:buAutoNum type="arabicPeriod"/>
             </a:pPr>
             <a:r>
-              <a:rPr lang="en-US" altLang="zh-CN" dirty="0">
+              <a:rPr lang="en-US" altLang="zh-CN" sz="2200" dirty="0">
                 <a:latin typeface="华文楷体" panose="02010600040101010101" pitchFamily="2" charset="-122"/>
                 <a:ea typeface="华文楷体" panose="02010600040101010101" pitchFamily="2" charset="-122"/>
               </a:rPr>
               <a:t>Spider</a:t>
             </a:r>
             <a:r>
-              <a:rPr lang="zh-CN" altLang="en-US" dirty="0">
+              <a:rPr lang="zh-CN" altLang="en-US" sz="2200" dirty="0">
                 <a:latin typeface="华文楷体" panose="02010600040101010101" pitchFamily="2" charset="-122"/>
                 <a:ea typeface="华文楷体" panose="02010600040101010101" pitchFamily="2" charset="-122"/>
               </a:rPr>
               <a:t>处理</a:t>
             </a:r>
             <a:r>
-              <a:rPr lang="en-US" altLang="zh-CN" dirty="0">
+              <a:rPr lang="en-US" altLang="zh-CN" sz="2200" dirty="0">
                 <a:latin typeface="华文楷体" panose="02010600040101010101" pitchFamily="2" charset="-122"/>
                 <a:ea typeface="华文楷体" panose="02010600040101010101" pitchFamily="2" charset="-122"/>
               </a:rPr>
               <a:t>Response</a:t>
             </a:r>
             <a:r>
-              <a:rPr lang="zh-CN" altLang="en-US" dirty="0">
+              <a:rPr lang="zh-CN" altLang="en-US" sz="2200" dirty="0">
                 <a:latin typeface="华文楷体" panose="02010600040101010101" pitchFamily="2" charset="-122"/>
                 <a:ea typeface="华文楷体" panose="02010600040101010101" pitchFamily="2" charset="-122"/>
               </a:rPr>
               <a:t>并返回提取到的</a:t>
             </a:r>
             <a:r>
-              <a:rPr lang="en-US" altLang="zh-CN" dirty="0">
+              <a:rPr lang="en-US" altLang="zh-CN" sz="2200" dirty="0">
                 <a:latin typeface="华文楷体" panose="02010600040101010101" pitchFamily="2" charset="-122"/>
                 <a:ea typeface="华文楷体" panose="02010600040101010101" pitchFamily="2" charset="-122"/>
               </a:rPr>
               <a:t>Item</a:t>
             </a:r>
             <a:r>
-              <a:rPr lang="zh-CN" altLang="en-US" dirty="0">
+              <a:rPr lang="zh-CN" altLang="en-US" sz="2200" dirty="0">
                 <a:latin typeface="华文楷体" panose="02010600040101010101" pitchFamily="2" charset="-122"/>
                 <a:ea typeface="华文楷体" panose="02010600040101010101" pitchFamily="2" charset="-122"/>
               </a:rPr>
               <a:t>以及新的</a:t>
             </a:r>
             <a:r>
-              <a:rPr lang="en-US" altLang="zh-CN" dirty="0">
+              <a:rPr lang="en-US" altLang="zh-CN" sz="2200" dirty="0">
                 <a:latin typeface="华文楷体" panose="02010600040101010101" pitchFamily="2" charset="-122"/>
                 <a:ea typeface="华文楷体" panose="02010600040101010101" pitchFamily="2" charset="-122"/>
               </a:rPr>
               <a:t>Request</a:t>
             </a:r>
             <a:r>
-              <a:rPr lang="zh-CN" altLang="en-US" dirty="0">
+              <a:rPr lang="zh-CN" altLang="en-US" sz="2200" dirty="0">
                 <a:latin typeface="华文楷体" panose="02010600040101010101" pitchFamily="2" charset="-122"/>
                 <a:ea typeface="华文楷体" panose="02010600040101010101" pitchFamily="2" charset="-122"/>
               </a:rPr>
               <a:t>给</a:t>
             </a:r>
             <a:r>
-              <a:rPr lang="en-US" altLang="zh-CN" dirty="0" err="1">
+              <a:rPr lang="en-US" altLang="zh-CN" sz="2200" dirty="0" err="1">
                 <a:latin typeface="华文楷体" panose="02010600040101010101" pitchFamily="2" charset="-122"/>
                 <a:ea typeface="华文楷体" panose="02010600040101010101" pitchFamily="2" charset="-122"/>
               </a:rPr>
               <a:t>ScrapyEngine</a:t>
             </a:r>
             <a:r>
-              <a:rPr lang="zh-CN" altLang="en-US" dirty="0">
+              <a:rPr lang="zh-CN" altLang="en-US" sz="2200" dirty="0">
                 <a:latin typeface="华文楷体" panose="02010600040101010101" pitchFamily="2" charset="-122"/>
                 <a:ea typeface="华文楷体" panose="02010600040101010101" pitchFamily="2" charset="-122"/>
               </a:rPr>
@@ -4404,126 +4415,126 @@
               <a:buAutoNum type="arabicPeriod"/>
             </a:pPr>
             <a:r>
-              <a:rPr lang="en-US" altLang="zh-CN" dirty="0" err="1">
+              <a:rPr lang="en-US" altLang="zh-CN" sz="2200" dirty="0" err="1">
                 <a:latin typeface="华文楷体" panose="02010600040101010101" pitchFamily="2" charset="-122"/>
                 <a:ea typeface="华文楷体" panose="02010600040101010101" pitchFamily="2" charset="-122"/>
               </a:rPr>
               <a:t>ScrapyEngine</a:t>
             </a:r>
             <a:r>
-              <a:rPr lang="zh-CN" altLang="en-US" dirty="0">
+              <a:rPr lang="zh-CN" altLang="en-US" sz="2200" dirty="0">
                 <a:latin typeface="华文楷体" panose="02010600040101010101" pitchFamily="2" charset="-122"/>
                 <a:ea typeface="华文楷体" panose="02010600040101010101" pitchFamily="2" charset="-122"/>
               </a:rPr>
               <a:t>将</a:t>
             </a:r>
             <a:r>
-              <a:rPr lang="en-US" altLang="zh-CN" dirty="0">
+              <a:rPr lang="en-US" altLang="zh-CN" sz="2200" dirty="0">
                 <a:latin typeface="华文楷体" panose="02010600040101010101" pitchFamily="2" charset="-122"/>
                 <a:ea typeface="华文楷体" panose="02010600040101010101" pitchFamily="2" charset="-122"/>
               </a:rPr>
               <a:t>Spider</a:t>
             </a:r>
             <a:r>
-              <a:rPr lang="zh-CN" altLang="en-US" dirty="0">
+              <a:rPr lang="zh-CN" altLang="en-US" sz="2200" dirty="0">
                 <a:latin typeface="华文楷体" panose="02010600040101010101" pitchFamily="2" charset="-122"/>
                 <a:ea typeface="华文楷体" panose="02010600040101010101" pitchFamily="2" charset="-122"/>
               </a:rPr>
               <a:t>返回的</a:t>
             </a:r>
             <a:r>
-              <a:rPr lang="en-US" altLang="zh-CN" dirty="0">
+              <a:rPr lang="en-US" altLang="zh-CN" sz="2200" dirty="0">
                 <a:latin typeface="华文楷体" panose="02010600040101010101" pitchFamily="2" charset="-122"/>
                 <a:ea typeface="华文楷体" panose="02010600040101010101" pitchFamily="2" charset="-122"/>
               </a:rPr>
               <a:t>Item</a:t>
             </a:r>
             <a:r>
-              <a:rPr lang="zh-CN" altLang="en-US" dirty="0">
+              <a:rPr lang="zh-CN" altLang="en-US" sz="2200" dirty="0">
                 <a:latin typeface="华文楷体" panose="02010600040101010101" pitchFamily="2" charset="-122"/>
                 <a:ea typeface="华文楷体" panose="02010600040101010101" pitchFamily="2" charset="-122"/>
               </a:rPr>
               <a:t>交给</a:t>
             </a:r>
             <a:r>
-              <a:rPr lang="en-US" altLang="zh-CN" dirty="0" err="1">
+              <a:rPr lang="en-US" altLang="zh-CN" sz="2200" dirty="0" err="1">
                 <a:latin typeface="华文楷体" panose="02010600040101010101" pitchFamily="2" charset="-122"/>
                 <a:ea typeface="华文楷体" panose="02010600040101010101" pitchFamily="2" charset="-122"/>
               </a:rPr>
               <a:t>ItemPipeline</a:t>
             </a:r>
             <a:r>
-              <a:rPr lang="zh-CN" altLang="en-US" dirty="0">
+              <a:rPr lang="zh-CN" altLang="en-US" sz="2200" dirty="0">
                 <a:latin typeface="华文楷体" panose="02010600040101010101" pitchFamily="2" charset="-122"/>
                 <a:ea typeface="华文楷体" panose="02010600040101010101" pitchFamily="2" charset="-122"/>
               </a:rPr>
               <a:t>，将</a:t>
             </a:r>
             <a:r>
-              <a:rPr lang="en-US" altLang="zh-CN" dirty="0">
+              <a:rPr lang="en-US" altLang="zh-CN" sz="2200" dirty="0">
                 <a:latin typeface="华文楷体" panose="02010600040101010101" pitchFamily="2" charset="-122"/>
                 <a:ea typeface="华文楷体" panose="02010600040101010101" pitchFamily="2" charset="-122"/>
               </a:rPr>
               <a:t>Spider</a:t>
             </a:r>
             <a:r>
-              <a:rPr lang="zh-CN" altLang="en-US" dirty="0">
+              <a:rPr lang="zh-CN" altLang="en-US" sz="2200" dirty="0">
                 <a:latin typeface="华文楷体" panose="02010600040101010101" pitchFamily="2" charset="-122"/>
                 <a:ea typeface="华文楷体" panose="02010600040101010101" pitchFamily="2" charset="-122"/>
               </a:rPr>
               <a:t>返回的</a:t>
             </a:r>
             <a:r>
-              <a:rPr lang="en-US" altLang="zh-CN" dirty="0">
+              <a:rPr lang="en-US" altLang="zh-CN" sz="2200" dirty="0">
                 <a:latin typeface="华文楷体" panose="02010600040101010101" pitchFamily="2" charset="-122"/>
                 <a:ea typeface="华文楷体" panose="02010600040101010101" pitchFamily="2" charset="-122"/>
               </a:rPr>
               <a:t>Request</a:t>
             </a:r>
             <a:r>
-              <a:rPr lang="zh-CN" altLang="en-US" dirty="0">
+              <a:rPr lang="zh-CN" altLang="en-US" sz="2200" dirty="0">
                 <a:latin typeface="华文楷体" panose="02010600040101010101" pitchFamily="2" charset="-122"/>
                 <a:ea typeface="华文楷体" panose="02010600040101010101" pitchFamily="2" charset="-122"/>
               </a:rPr>
               <a:t>交给</a:t>
             </a:r>
             <a:r>
-              <a:rPr lang="en-US" altLang="zh-CN" dirty="0">
+              <a:rPr lang="en-US" altLang="zh-CN" sz="2200" dirty="0">
                 <a:latin typeface="华文楷体" panose="02010600040101010101" pitchFamily="2" charset="-122"/>
                 <a:ea typeface="华文楷体" panose="02010600040101010101" pitchFamily="2" charset="-122"/>
               </a:rPr>
               <a:t>Schedule</a:t>
             </a:r>
             <a:r>
-              <a:rPr lang="zh-CN" altLang="en-US" dirty="0">
+              <a:rPr lang="zh-CN" altLang="en-US" sz="2200" dirty="0">
                 <a:latin typeface="华文楷体" panose="02010600040101010101" pitchFamily="2" charset="-122"/>
                 <a:ea typeface="华文楷体" panose="02010600040101010101" pitchFamily="2" charset="-122"/>
               </a:rPr>
               <a:t>进行从第二步开始的重复操作，直到调度器中没有待处理的</a:t>
             </a:r>
             <a:r>
-              <a:rPr lang="en-US" altLang="zh-CN" dirty="0">
+              <a:rPr lang="en-US" altLang="zh-CN" sz="2200" dirty="0">
                 <a:latin typeface="华文楷体" panose="02010600040101010101" pitchFamily="2" charset="-122"/>
                 <a:ea typeface="华文楷体" panose="02010600040101010101" pitchFamily="2" charset="-122"/>
               </a:rPr>
               <a:t>Request</a:t>
             </a:r>
             <a:r>
-              <a:rPr lang="zh-CN" altLang="en-US" dirty="0">
+              <a:rPr lang="zh-CN" altLang="en-US" sz="2200" dirty="0">
                 <a:latin typeface="华文楷体" panose="02010600040101010101" pitchFamily="2" charset="-122"/>
                 <a:ea typeface="华文楷体" panose="02010600040101010101" pitchFamily="2" charset="-122"/>
               </a:rPr>
               <a:t>，</a:t>
             </a:r>
             <a:r>
-              <a:rPr lang="en-US" altLang="zh-CN" dirty="0" err="1">
+              <a:rPr lang="en-US" altLang="zh-CN" sz="2200" dirty="0" err="1">
                 <a:latin typeface="华文楷体" panose="02010600040101010101" pitchFamily="2" charset="-122"/>
                 <a:ea typeface="华文楷体" panose="02010600040101010101" pitchFamily="2" charset="-122"/>
               </a:rPr>
               <a:t>ScrapyEngine</a:t>
             </a:r>
             <a:r>
-              <a:rPr lang="zh-CN" altLang="en-US" dirty="0">
+              <a:rPr lang="zh-CN" altLang="en-US" sz="2200" dirty="0">
                 <a:latin typeface="华文楷体" panose="02010600040101010101" pitchFamily="2" charset="-122"/>
                 <a:ea typeface="华文楷体" panose="02010600040101010101" pitchFamily="2" charset="-122"/>
               </a:rPr>
@@ -4553,6 +4564,242 @@
     <p:extLst>
       <p:ext uri="{BB962C8B-B14F-4D97-AF65-F5344CB8AC3E}">
         <p14:creationId xmlns:p14="http://schemas.microsoft.com/office/powerpoint/2010/main" val="2225498697"/>
+      </p:ext>
+    </p:extLst>
+  </p:cSld>
+  <p:clrMapOvr>
+    <a:masterClrMapping/>
+  </p:clrMapOvr>
+</p:sld>
+</file>
+
+<file path=ppt/slides/slide13.xml><?xml version="1.0" encoding="utf-8"?>
+<p:sld xmlns:a="http://schemas.openxmlformats.org/drawingml/2006/main" xmlns:r="http://schemas.openxmlformats.org/officeDocument/2006/relationships" xmlns:p="http://schemas.openxmlformats.org/presentationml/2006/main">
+  <p:cSld>
+    <p:spTree>
+      <p:nvGrpSpPr>
+        <p:cNvPr id="1" name=""/>
+        <p:cNvGrpSpPr/>
+        <p:nvPr/>
+      </p:nvGrpSpPr>
+      <p:grpSpPr>
+        <a:xfrm>
+          <a:off x="0" y="0"/>
+          <a:ext cx="0" cy="0"/>
+          <a:chOff x="0" y="0"/>
+          <a:chExt cx="0" cy="0"/>
+        </a:xfrm>
+      </p:grpSpPr>
+      <p:sp>
+        <p:nvSpPr>
+          <p:cNvPr id="2" name="标题 1">
+            <a:extLst>
+              <a:ext uri="{FF2B5EF4-FFF2-40B4-BE49-F238E27FC236}">
+                <a16:creationId xmlns:a16="http://schemas.microsoft.com/office/drawing/2014/main" id="{A0469CAB-2FF6-4AFC-80D3-12D71E67E3F8}"/>
+              </a:ext>
+            </a:extLst>
+          </p:cNvPr>
+          <p:cNvSpPr>
+            <a:spLocks noGrp="1"/>
+          </p:cNvSpPr>
+          <p:nvPr>
+            <p:ph type="title"/>
+          </p:nvPr>
+        </p:nvSpPr>
+        <p:spPr/>
+        <p:txBody>
+          <a:bodyPr/>
+          <a:lstStyle/>
+          <a:p>
+            <a:r>
+              <a:rPr lang="en-US" altLang="zh-CN" dirty="0" err="1"/>
+              <a:t>scrapy</a:t>
+            </a:r>
+            <a:r>
+              <a:rPr lang="zh-CN" altLang="en-US" dirty="0"/>
+              <a:t>使用方式</a:t>
+            </a:r>
+          </a:p>
+        </p:txBody>
+      </p:sp>
+      <p:sp>
+        <p:nvSpPr>
+          <p:cNvPr id="3" name="内容占位符 2">
+            <a:extLst>
+              <a:ext uri="{FF2B5EF4-FFF2-40B4-BE49-F238E27FC236}">
+                <a16:creationId xmlns:a16="http://schemas.microsoft.com/office/drawing/2014/main" id="{A19E75D4-0778-4989-9CB1-60693783F688}"/>
+              </a:ext>
+            </a:extLst>
+          </p:cNvPr>
+          <p:cNvSpPr>
+            <a:spLocks noGrp="1"/>
+          </p:cNvSpPr>
+          <p:nvPr>
+            <p:ph idx="1"/>
+          </p:nvPr>
+        </p:nvSpPr>
+        <p:spPr/>
+        <p:txBody>
+          <a:bodyPr/>
+          <a:lstStyle/>
+          <a:p>
+            <a:r>
+              <a:rPr lang="en-US" altLang="zh-CN" dirty="0"/>
+              <a:t>1</a:t>
+            </a:r>
+            <a:r>
+              <a:rPr lang="zh-CN" altLang="en-US" dirty="0"/>
+              <a:t>、创建项目</a:t>
+            </a:r>
+            <a:endParaRPr lang="en-US" altLang="zh-CN" dirty="0"/>
+          </a:p>
+          <a:p>
+            <a:pPr lvl="1"/>
+            <a:r>
+              <a:rPr lang="en-US" altLang="zh-CN" dirty="0" err="1"/>
+              <a:t>scrapy</a:t>
+            </a:r>
+            <a:r>
+              <a:rPr lang="en-US" altLang="zh-CN" dirty="0"/>
+              <a:t> </a:t>
+            </a:r>
+            <a:r>
+              <a:rPr lang="en-US" altLang="zh-CN" dirty="0" err="1"/>
+              <a:t>startproject</a:t>
+            </a:r>
+            <a:r>
+              <a:rPr lang="en-US" altLang="zh-CN" dirty="0"/>
+              <a:t> </a:t>
+            </a:r>
+            <a:r>
+              <a:rPr lang="zh-CN" altLang="en-US" dirty="0"/>
+              <a:t>（当前路径下）项目名</a:t>
+            </a:r>
+            <a:endParaRPr lang="en-US" altLang="zh-CN" dirty="0"/>
+          </a:p>
+          <a:p>
+            <a:r>
+              <a:rPr lang="en-US" altLang="zh-CN" dirty="0"/>
+              <a:t>2</a:t>
+            </a:r>
+            <a:r>
+              <a:rPr lang="zh-CN" altLang="en-US" dirty="0"/>
+              <a:t>、在</a:t>
+            </a:r>
+            <a:r>
+              <a:rPr lang="en-US" altLang="zh-CN" dirty="0"/>
+              <a:t>spiders</a:t>
+            </a:r>
+            <a:r>
+              <a:rPr lang="zh-CN" altLang="en-US" dirty="0"/>
+              <a:t>文件夹中创建爬虫文件</a:t>
+            </a:r>
+            <a:endParaRPr lang="en-US" altLang="zh-CN" dirty="0"/>
+          </a:p>
+          <a:p>
+            <a:pPr lvl="1"/>
+            <a:r>
+              <a:rPr lang="en-US" altLang="zh-CN" dirty="0"/>
+              <a:t>cd </a:t>
+            </a:r>
+            <a:r>
+              <a:rPr lang="zh-CN" altLang="en-US" dirty="0"/>
+              <a:t>项目名</a:t>
+            </a:r>
+            <a:r>
+              <a:rPr lang="en-US" altLang="zh-CN" dirty="0"/>
+              <a:t>\</a:t>
+            </a:r>
+            <a:r>
+              <a:rPr lang="zh-CN" altLang="en-US" dirty="0"/>
+              <a:t>项目名</a:t>
+            </a:r>
+            <a:r>
+              <a:rPr lang="en-US" altLang="zh-CN" dirty="0"/>
+              <a:t>\spiders</a:t>
+            </a:r>
+          </a:p>
+          <a:p>
+            <a:pPr lvl="1"/>
+            <a:r>
+              <a:rPr lang="en-US" altLang="zh-CN" dirty="0" err="1"/>
+              <a:t>scrapy</a:t>
+            </a:r>
+            <a:r>
+              <a:rPr lang="en-US" altLang="zh-CN" dirty="0"/>
+              <a:t> </a:t>
+            </a:r>
+            <a:r>
+              <a:rPr lang="en-US" altLang="zh-CN" dirty="0" err="1"/>
+              <a:t>genspider</a:t>
+            </a:r>
+            <a:r>
+              <a:rPr lang="en-US" altLang="zh-CN" dirty="0"/>
+              <a:t> </a:t>
+            </a:r>
+            <a:r>
+              <a:rPr lang="zh-CN" altLang="en-US" dirty="0"/>
+              <a:t>爬虫文件名 爬取网页（不加</a:t>
+            </a:r>
+            <a:r>
+              <a:rPr lang="en-US" altLang="zh-CN" dirty="0"/>
+              <a:t>http</a:t>
+            </a:r>
+            <a:r>
+              <a:rPr lang="zh-CN" altLang="en-US" dirty="0"/>
+              <a:t>协议）</a:t>
+            </a:r>
+            <a:endParaRPr lang="en-US" altLang="zh-CN" dirty="0"/>
+          </a:p>
+          <a:p>
+            <a:r>
+              <a:rPr lang="en-US" altLang="zh-CN" dirty="0"/>
+              <a:t>3</a:t>
+            </a:r>
+            <a:r>
+              <a:rPr lang="zh-CN" altLang="en-US" dirty="0"/>
+              <a:t>、写爬虫脚本</a:t>
+            </a:r>
+            <a:endParaRPr lang="en-US" altLang="zh-CN" dirty="0"/>
+          </a:p>
+          <a:p>
+            <a:pPr lvl="1"/>
+            <a:r>
+              <a:rPr lang="zh-CN" altLang="en-US" dirty="0"/>
+              <a:t>在</a:t>
+            </a:r>
+            <a:r>
+              <a:rPr lang="en-US" altLang="zh-CN" dirty="0"/>
+              <a:t>[</a:t>
+            </a:r>
+            <a:r>
+              <a:rPr lang="zh-CN" altLang="en-US" dirty="0"/>
+              <a:t>爬虫文件名</a:t>
+            </a:r>
+            <a:r>
+              <a:rPr lang="en-US" altLang="zh-CN" dirty="0"/>
+              <a:t>.</a:t>
+            </a:r>
+            <a:r>
+              <a:rPr lang="en-US" altLang="zh-CN" dirty="0" err="1"/>
+              <a:t>py</a:t>
+            </a:r>
+            <a:r>
+              <a:rPr lang="en-US" altLang="zh-CN" dirty="0"/>
+              <a:t>]</a:t>
+            </a:r>
+            <a:r>
+              <a:rPr lang="zh-CN" altLang="en-US"/>
+              <a:t>中编写逻辑</a:t>
+            </a:r>
+            <a:endParaRPr lang="zh-CN" altLang="en-US" dirty="0"/>
+          </a:p>
+        </p:txBody>
+      </p:sp>
+    </p:spTree>
+    <p:extLst>
+      <p:ext uri="{BB962C8B-B14F-4D97-AF65-F5344CB8AC3E}">
+        <p14:creationId xmlns:p14="http://schemas.microsoft.com/office/powerpoint/2010/main" val="199125443"/>
       </p:ext>
     </p:extLst>
   </p:cSld>
